--- a/data-center-2016-c11-16.pptx
+++ b/data-center-2016-c11-16.pptx
@@ -254,7 +254,7 @@
           <a:p>
             <a:fld id="{59890BD5-1E1C-4C30-A502-83AE4551E3F9}" type="datetimeFigureOut">
               <a:rPr lang="zh-CN" altLang="en-US" smtClean="0"/>
-              <a:t>2016/12/16</a:t>
+              <a:t>2016/12/21</a:t>
             </a:fld>
             <a:endParaRPr lang="zh-CN" altLang="en-US"/>
           </a:p>
@@ -424,7 +424,7 @@
           <a:p>
             <a:fld id="{59890BD5-1E1C-4C30-A502-83AE4551E3F9}" type="datetimeFigureOut">
               <a:rPr lang="zh-CN" altLang="en-US" smtClean="0"/>
-              <a:t>2016/12/16</a:t>
+              <a:t>2016/12/21</a:t>
             </a:fld>
             <a:endParaRPr lang="zh-CN" altLang="en-US"/>
           </a:p>
@@ -604,7 +604,7 @@
           <a:p>
             <a:fld id="{59890BD5-1E1C-4C30-A502-83AE4551E3F9}" type="datetimeFigureOut">
               <a:rPr lang="zh-CN" altLang="en-US" smtClean="0"/>
-              <a:t>2016/12/16</a:t>
+              <a:t>2016/12/21</a:t>
             </a:fld>
             <a:endParaRPr lang="zh-CN" altLang="en-US"/>
           </a:p>
@@ -774,7 +774,7 @@
           <a:p>
             <a:fld id="{59890BD5-1E1C-4C30-A502-83AE4551E3F9}" type="datetimeFigureOut">
               <a:rPr lang="zh-CN" altLang="en-US" smtClean="0"/>
-              <a:t>2016/12/16</a:t>
+              <a:t>2016/12/21</a:t>
             </a:fld>
             <a:endParaRPr lang="zh-CN" altLang="en-US"/>
           </a:p>
@@ -1018,7 +1018,7 @@
           <a:p>
             <a:fld id="{59890BD5-1E1C-4C30-A502-83AE4551E3F9}" type="datetimeFigureOut">
               <a:rPr lang="zh-CN" altLang="en-US" smtClean="0"/>
-              <a:t>2016/12/16</a:t>
+              <a:t>2016/12/21</a:t>
             </a:fld>
             <a:endParaRPr lang="zh-CN" altLang="en-US"/>
           </a:p>
@@ -1250,7 +1250,7 @@
           <a:p>
             <a:fld id="{59890BD5-1E1C-4C30-A502-83AE4551E3F9}" type="datetimeFigureOut">
               <a:rPr lang="zh-CN" altLang="en-US" smtClean="0"/>
-              <a:t>2016/12/16</a:t>
+              <a:t>2016/12/21</a:t>
             </a:fld>
             <a:endParaRPr lang="zh-CN" altLang="en-US"/>
           </a:p>
@@ -1617,7 +1617,7 @@
           <a:p>
             <a:fld id="{59890BD5-1E1C-4C30-A502-83AE4551E3F9}" type="datetimeFigureOut">
               <a:rPr lang="zh-CN" altLang="en-US" smtClean="0"/>
-              <a:t>2016/12/16</a:t>
+              <a:t>2016/12/21</a:t>
             </a:fld>
             <a:endParaRPr lang="zh-CN" altLang="en-US"/>
           </a:p>
@@ -1735,7 +1735,7 @@
           <a:p>
             <a:fld id="{59890BD5-1E1C-4C30-A502-83AE4551E3F9}" type="datetimeFigureOut">
               <a:rPr lang="zh-CN" altLang="en-US" smtClean="0"/>
-              <a:t>2016/12/16</a:t>
+              <a:t>2016/12/21</a:t>
             </a:fld>
             <a:endParaRPr lang="zh-CN" altLang="en-US"/>
           </a:p>
@@ -1830,7 +1830,7 @@
           <a:p>
             <a:fld id="{59890BD5-1E1C-4C30-A502-83AE4551E3F9}" type="datetimeFigureOut">
               <a:rPr lang="zh-CN" altLang="en-US" smtClean="0"/>
-              <a:t>2016/12/16</a:t>
+              <a:t>2016/12/21</a:t>
             </a:fld>
             <a:endParaRPr lang="zh-CN" altLang="en-US"/>
           </a:p>
@@ -2107,7 +2107,7 @@
           <a:p>
             <a:fld id="{59890BD5-1E1C-4C30-A502-83AE4551E3F9}" type="datetimeFigureOut">
               <a:rPr lang="zh-CN" altLang="en-US" smtClean="0"/>
-              <a:t>2016/12/16</a:t>
+              <a:t>2016/12/21</a:t>
             </a:fld>
             <a:endParaRPr lang="zh-CN" altLang="en-US"/>
           </a:p>
@@ -2364,7 +2364,7 @@
           <a:p>
             <a:fld id="{59890BD5-1E1C-4C30-A502-83AE4551E3F9}" type="datetimeFigureOut">
               <a:rPr lang="zh-CN" altLang="en-US" smtClean="0"/>
-              <a:t>2016/12/16</a:t>
+              <a:t>2016/12/21</a:t>
             </a:fld>
             <a:endParaRPr lang="zh-CN" altLang="en-US"/>
           </a:p>
@@ -2577,7 +2577,7 @@
           <a:p>
             <a:fld id="{59890BD5-1E1C-4C30-A502-83AE4551E3F9}" type="datetimeFigureOut">
               <a:rPr lang="zh-CN" altLang="en-US" smtClean="0"/>
-              <a:t>2016/12/16</a:t>
+              <a:t>2016/12/21</a:t>
             </a:fld>
             <a:endParaRPr lang="zh-CN" altLang="en-US"/>
           </a:p>
@@ -4260,22 +4260,20 @@
           <a:prstGeom prst="rect">
             <a:avLst/>
           </a:prstGeom>
-          <a:ln>
-            <a:noFill/>
-          </a:ln>
+          <a:ln/>
         </p:spPr>
         <p:style>
-          <a:lnRef idx="1">
+          <a:lnRef idx="0">
             <a:schemeClr val="accent6"/>
           </a:lnRef>
-          <a:fillRef idx="2">
+          <a:fillRef idx="3">
             <a:schemeClr val="accent6"/>
           </a:fillRef>
-          <a:effectRef idx="1">
+          <a:effectRef idx="3">
             <a:schemeClr val="accent6"/>
           </a:effectRef>
           <a:fontRef idx="minor">
-            <a:schemeClr val="dk1"/>
+            <a:schemeClr val="lt1"/>
           </a:fontRef>
         </p:style>
         <p:txBody>
@@ -4731,28 +4729,26 @@
         </p:nvSpPr>
         <p:spPr>
           <a:xfrm>
-            <a:off x="6119999" y="4572000"/>
+            <a:off x="6119999" y="4169737"/>
             <a:ext cx="900000" cy="180000"/>
           </a:xfrm>
           <a:prstGeom prst="rect">
             <a:avLst/>
           </a:prstGeom>
-          <a:ln>
-            <a:noFill/>
-          </a:ln>
+          <a:ln/>
         </p:spPr>
         <p:style>
-          <a:lnRef idx="1">
+          <a:lnRef idx="0">
             <a:schemeClr val="accent6"/>
           </a:lnRef>
-          <a:fillRef idx="2">
+          <a:fillRef idx="3">
             <a:schemeClr val="accent6"/>
           </a:fillRef>
-          <a:effectRef idx="1">
+          <a:effectRef idx="3">
             <a:schemeClr val="accent6"/>
           </a:effectRef>
           <a:fontRef idx="minor">
-            <a:schemeClr val="dk1"/>
+            <a:schemeClr val="lt1"/>
           </a:fontRef>
         </p:style>
         <p:txBody>
@@ -4837,28 +4833,26 @@
         </p:nvSpPr>
         <p:spPr>
           <a:xfrm>
-            <a:off x="6119999" y="5220000"/>
+            <a:off x="6119999" y="4806642"/>
             <a:ext cx="900000" cy="180000"/>
           </a:xfrm>
           <a:prstGeom prst="rect">
             <a:avLst/>
           </a:prstGeom>
-          <a:ln>
-            <a:noFill/>
-          </a:ln>
+          <a:ln/>
         </p:spPr>
         <p:style>
-          <a:lnRef idx="1">
+          <a:lnRef idx="0">
             <a:schemeClr val="accent6"/>
           </a:lnRef>
-          <a:fillRef idx="2">
+          <a:fillRef idx="3">
             <a:schemeClr val="accent6"/>
           </a:fillRef>
-          <a:effectRef idx="1">
+          <a:effectRef idx="3">
             <a:schemeClr val="accent6"/>
           </a:effectRef>
           <a:fontRef idx="minor">
-            <a:schemeClr val="dk1"/>
+            <a:schemeClr val="lt1"/>
           </a:fontRef>
         </p:style>
         <p:txBody>
@@ -4943,28 +4937,26 @@
         </p:nvSpPr>
         <p:spPr>
           <a:xfrm>
-            <a:off x="6119999" y="5850000"/>
+            <a:off x="6121724" y="5448803"/>
             <a:ext cx="900000" cy="180000"/>
           </a:xfrm>
           <a:prstGeom prst="rect">
             <a:avLst/>
           </a:prstGeom>
-          <a:ln>
-            <a:noFill/>
-          </a:ln>
+          <a:ln/>
         </p:spPr>
         <p:style>
-          <a:lnRef idx="1">
+          <a:lnRef idx="0">
             <a:schemeClr val="accent6"/>
           </a:lnRef>
-          <a:fillRef idx="2">
+          <a:fillRef idx="3">
             <a:schemeClr val="accent6"/>
           </a:fillRef>
-          <a:effectRef idx="1">
+          <a:effectRef idx="3">
             <a:schemeClr val="accent6"/>
           </a:effectRef>
           <a:fontRef idx="minor">
-            <a:schemeClr val="dk1"/>
+            <a:schemeClr val="lt1"/>
           </a:fontRef>
         </p:style>
         <p:txBody>
@@ -5049,28 +5041,26 @@
         </p:nvSpPr>
         <p:spPr>
           <a:xfrm>
-            <a:off x="6119999" y="6480000"/>
+            <a:off x="6118276" y="6066647"/>
             <a:ext cx="900000" cy="180000"/>
           </a:xfrm>
           <a:prstGeom prst="rect">
             <a:avLst/>
           </a:prstGeom>
-          <a:ln>
-            <a:noFill/>
-          </a:ln>
+          <a:ln/>
         </p:spPr>
         <p:style>
-          <a:lnRef idx="1">
+          <a:lnRef idx="0">
             <a:schemeClr val="accent6"/>
           </a:lnRef>
-          <a:fillRef idx="2">
+          <a:fillRef idx="3">
             <a:schemeClr val="accent6"/>
           </a:fillRef>
-          <a:effectRef idx="1">
+          <a:effectRef idx="3">
             <a:schemeClr val="accent6"/>
           </a:effectRef>
           <a:fontRef idx="minor">
-            <a:schemeClr val="dk1"/>
+            <a:schemeClr val="lt1"/>
           </a:fontRef>
         </p:style>
         <p:txBody>
@@ -5258,8 +5248,8 @@
         </p:nvSpPr>
         <p:spPr>
           <a:xfrm rot="5400000">
-            <a:off x="4140000" y="2430000"/>
-            <a:ext cx="3060000" cy="360000"/>
+            <a:off x="2880000" y="3690000"/>
+            <a:ext cx="5580000" cy="360000"/>
           </a:xfrm>
           <a:prstGeom prst="rect">
             <a:avLst/>
@@ -5462,7 +5452,7 @@
         <p:spPr>
           <a:xfrm>
             <a:off x="7920000" y="4662000"/>
-            <a:ext cx="539998" cy="18000"/>
+            <a:ext cx="536552" cy="6725"/>
           </a:xfrm>
           <a:prstGeom prst="line">
             <a:avLst/>
@@ -5650,8 +5640,8 @@
         </p:nvCxnSpPr>
         <p:spPr>
           <a:xfrm rot="10800000" flipH="1" flipV="1">
-            <a:off x="5399999" y="360000"/>
-            <a:ext cx="719999" cy="4302000"/>
+            <a:off x="5399999" y="359999"/>
+            <a:ext cx="719999" cy="3899737"/>
           </a:xfrm>
           <a:prstGeom prst="bentConnector3">
             <a:avLst>
@@ -5691,7 +5681,7 @@
         <p:spPr>
           <a:xfrm rot="10800000" flipH="1" flipV="1">
             <a:off x="5399999" y="360000"/>
-            <a:ext cx="719999" cy="4950000"/>
+            <a:ext cx="719999" cy="4536642"/>
           </a:xfrm>
           <a:prstGeom prst="bentConnector3">
             <a:avLst>
@@ -5730,12 +5720,12 @@
         </p:nvCxnSpPr>
         <p:spPr>
           <a:xfrm rot="10800000" flipH="1" flipV="1">
-            <a:off x="5399999" y="360000"/>
-            <a:ext cx="719999" cy="5580000"/>
+            <a:off x="5400000" y="359999"/>
+            <a:ext cx="721724" cy="5178803"/>
           </a:xfrm>
           <a:prstGeom prst="bentConnector3">
             <a:avLst>
-              <a:gd name="adj1" fmla="val -31750"/>
+              <a:gd name="adj1" fmla="val -31674"/>
             </a:avLst>
           </a:prstGeom>
           <a:ln w="38100">
@@ -5770,12 +5760,12 @@
         </p:nvCxnSpPr>
         <p:spPr>
           <a:xfrm rot="10800000" flipH="1" flipV="1">
-            <a:off x="5399999" y="360000"/>
-            <a:ext cx="719999" cy="6210000"/>
+            <a:off x="5400000" y="359999"/>
+            <a:ext cx="718276" cy="5796647"/>
           </a:xfrm>
           <a:prstGeom prst="bentConnector3">
             <a:avLst>
-              <a:gd name="adj1" fmla="val -31750"/>
+              <a:gd name="adj1" fmla="val -31826"/>
             </a:avLst>
           </a:prstGeom>
           <a:ln w="38100">
@@ -5943,6 +5933,344 @@
           <a:xfrm flipH="1">
             <a:off x="5850000" y="4050000"/>
             <a:ext cx="269999" cy="0"/>
+          </a:xfrm>
+          <a:prstGeom prst="line">
+            <a:avLst/>
+          </a:prstGeom>
+          <a:ln w="28575"/>
+        </p:spPr>
+        <p:style>
+          <a:lnRef idx="1">
+            <a:schemeClr val="accent1"/>
+          </a:lnRef>
+          <a:fillRef idx="0">
+            <a:schemeClr val="accent1"/>
+          </a:fillRef>
+          <a:effectRef idx="0">
+            <a:schemeClr val="accent1"/>
+          </a:effectRef>
+          <a:fontRef idx="minor">
+            <a:schemeClr val="tx1"/>
+          </a:fontRef>
+        </p:style>
+      </p:cxnSp>
+      <p:sp>
+        <p:nvSpPr>
+          <p:cNvPr id="64" name="矩形 63"/>
+          <p:cNvSpPr/>
+          <p:nvPr/>
+        </p:nvSpPr>
+        <p:spPr>
+          <a:xfrm>
+            <a:off x="6119999" y="4573775"/>
+            <a:ext cx="900000" cy="180000"/>
+          </a:xfrm>
+          <a:prstGeom prst="rect">
+            <a:avLst/>
+          </a:prstGeom>
+          <a:ln>
+            <a:noFill/>
+          </a:ln>
+        </p:spPr>
+        <p:style>
+          <a:lnRef idx="0">
+            <a:schemeClr val="accent1"/>
+          </a:lnRef>
+          <a:fillRef idx="3">
+            <a:schemeClr val="accent1"/>
+          </a:fillRef>
+          <a:effectRef idx="3">
+            <a:schemeClr val="accent1"/>
+          </a:effectRef>
+          <a:fontRef idx="minor">
+            <a:schemeClr val="lt1"/>
+          </a:fontRef>
+        </p:style>
+        <p:txBody>
+          <a:bodyPr lIns="0" tIns="0" rIns="0" bIns="0" rtlCol="0" anchor="ctr"/>
+          <a:lstStyle/>
+          <a:p>
+            <a:pPr algn="ctr"/>
+            <a:r>
+              <a:rPr lang="en-US" altLang="zh-CN" sz="1200" dirty="0" smtClean="0">
+                <a:latin typeface="Times New Roman" panose="02020603050405020304" pitchFamily="18" charset="0"/>
+                <a:ea typeface="黑体" panose="02010609060101010101" pitchFamily="49" charset="-122"/>
+                <a:cs typeface="Times New Roman" panose="02020603050405020304" pitchFamily="18" charset="0"/>
+              </a:rPr>
+              <a:t>192.168.100.6</a:t>
+            </a:r>
+            <a:endParaRPr lang="zh-CN" altLang="en-US" sz="1200" dirty="0">
+              <a:latin typeface="Times New Roman" panose="02020603050405020304" pitchFamily="18" charset="0"/>
+              <a:ea typeface="黑体" panose="02010609060101010101" pitchFamily="49" charset="-122"/>
+              <a:cs typeface="Times New Roman" panose="02020603050405020304" pitchFamily="18" charset="0"/>
+            </a:endParaRPr>
+          </a:p>
+        </p:txBody>
+      </p:sp>
+      <p:sp>
+        <p:nvSpPr>
+          <p:cNvPr id="66" name="矩形 65"/>
+          <p:cNvSpPr/>
+          <p:nvPr/>
+        </p:nvSpPr>
+        <p:spPr>
+          <a:xfrm>
+            <a:off x="6119998" y="5214391"/>
+            <a:ext cx="900000" cy="180000"/>
+          </a:xfrm>
+          <a:prstGeom prst="rect">
+            <a:avLst/>
+          </a:prstGeom>
+          <a:ln>
+            <a:noFill/>
+          </a:ln>
+        </p:spPr>
+        <p:style>
+          <a:lnRef idx="0">
+            <a:schemeClr val="accent1"/>
+          </a:lnRef>
+          <a:fillRef idx="3">
+            <a:schemeClr val="accent1"/>
+          </a:fillRef>
+          <a:effectRef idx="3">
+            <a:schemeClr val="accent1"/>
+          </a:effectRef>
+          <a:fontRef idx="minor">
+            <a:schemeClr val="lt1"/>
+          </a:fontRef>
+        </p:style>
+        <p:txBody>
+          <a:bodyPr lIns="0" tIns="0" rIns="0" bIns="0" rtlCol="0" anchor="ctr"/>
+          <a:lstStyle/>
+          <a:p>
+            <a:pPr algn="ctr"/>
+            <a:r>
+              <a:rPr lang="en-US" altLang="zh-CN" sz="1200" dirty="0" smtClean="0">
+                <a:latin typeface="Times New Roman" panose="02020603050405020304" pitchFamily="18" charset="0"/>
+                <a:ea typeface="黑体" panose="02010609060101010101" pitchFamily="49" charset="-122"/>
+                <a:cs typeface="Times New Roman" panose="02020603050405020304" pitchFamily="18" charset="0"/>
+              </a:rPr>
+              <a:t>192.168.100.7</a:t>
+            </a:r>
+            <a:endParaRPr lang="zh-CN" altLang="en-US" sz="1200" dirty="0">
+              <a:latin typeface="Times New Roman" panose="02020603050405020304" pitchFamily="18" charset="0"/>
+              <a:ea typeface="黑体" panose="02010609060101010101" pitchFamily="49" charset="-122"/>
+              <a:cs typeface="Times New Roman" panose="02020603050405020304" pitchFamily="18" charset="0"/>
+            </a:endParaRPr>
+          </a:p>
+        </p:txBody>
+      </p:sp>
+      <p:cxnSp>
+        <p:nvCxnSpPr>
+          <p:cNvPr id="67" name="直接连接符 66"/>
+          <p:cNvCxnSpPr>
+            <a:stCxn id="64" idx="1"/>
+          </p:cNvCxnSpPr>
+          <p:nvPr/>
+        </p:nvCxnSpPr>
+        <p:spPr>
+          <a:xfrm flipH="1" flipV="1">
+            <a:off x="5850000" y="4662000"/>
+            <a:ext cx="269999" cy="1775"/>
+          </a:xfrm>
+          <a:prstGeom prst="line">
+            <a:avLst/>
+          </a:prstGeom>
+          <a:ln w="28575"/>
+        </p:spPr>
+        <p:style>
+          <a:lnRef idx="1">
+            <a:schemeClr val="accent1"/>
+          </a:lnRef>
+          <a:fillRef idx="0">
+            <a:schemeClr val="accent1"/>
+          </a:fillRef>
+          <a:effectRef idx="0">
+            <a:schemeClr val="accent1"/>
+          </a:effectRef>
+          <a:fontRef idx="minor">
+            <a:schemeClr val="tx1"/>
+          </a:fontRef>
+        </p:style>
+      </p:cxnSp>
+      <p:sp>
+        <p:nvSpPr>
+          <p:cNvPr id="69" name="矩形 68"/>
+          <p:cNvSpPr/>
+          <p:nvPr/>
+        </p:nvSpPr>
+        <p:spPr>
+          <a:xfrm>
+            <a:off x="6118276" y="5845450"/>
+            <a:ext cx="900000" cy="180000"/>
+          </a:xfrm>
+          <a:prstGeom prst="rect">
+            <a:avLst/>
+          </a:prstGeom>
+          <a:ln>
+            <a:noFill/>
+          </a:ln>
+        </p:spPr>
+        <p:style>
+          <a:lnRef idx="0">
+            <a:schemeClr val="accent1"/>
+          </a:lnRef>
+          <a:fillRef idx="3">
+            <a:schemeClr val="accent1"/>
+          </a:fillRef>
+          <a:effectRef idx="3">
+            <a:schemeClr val="accent1"/>
+          </a:effectRef>
+          <a:fontRef idx="minor">
+            <a:schemeClr val="lt1"/>
+          </a:fontRef>
+        </p:style>
+        <p:txBody>
+          <a:bodyPr lIns="0" tIns="0" rIns="0" bIns="0" rtlCol="0" anchor="ctr"/>
+          <a:lstStyle/>
+          <a:p>
+            <a:pPr algn="ctr"/>
+            <a:r>
+              <a:rPr lang="en-US" altLang="zh-CN" sz="1200" dirty="0" smtClean="0">
+                <a:latin typeface="Times New Roman" panose="02020603050405020304" pitchFamily="18" charset="0"/>
+                <a:ea typeface="黑体" panose="02010609060101010101" pitchFamily="49" charset="-122"/>
+                <a:cs typeface="Times New Roman" panose="02020603050405020304" pitchFamily="18" charset="0"/>
+              </a:rPr>
+              <a:t>192.168.100.8</a:t>
+            </a:r>
+            <a:endParaRPr lang="zh-CN" altLang="en-US" sz="1200" dirty="0">
+              <a:latin typeface="Times New Roman" panose="02020603050405020304" pitchFamily="18" charset="0"/>
+              <a:ea typeface="黑体" panose="02010609060101010101" pitchFamily="49" charset="-122"/>
+              <a:cs typeface="Times New Roman" panose="02020603050405020304" pitchFamily="18" charset="0"/>
+            </a:endParaRPr>
+          </a:p>
+        </p:txBody>
+      </p:sp>
+      <p:cxnSp>
+        <p:nvCxnSpPr>
+          <p:cNvPr id="71" name="直接连接符 70"/>
+          <p:cNvCxnSpPr/>
+          <p:nvPr/>
+        </p:nvCxnSpPr>
+        <p:spPr>
+          <a:xfrm flipH="1" flipV="1">
+            <a:off x="5849998" y="5303774"/>
+            <a:ext cx="269999" cy="1775"/>
+          </a:xfrm>
+          <a:prstGeom prst="line">
+            <a:avLst/>
+          </a:prstGeom>
+          <a:ln w="28575"/>
+        </p:spPr>
+        <p:style>
+          <a:lnRef idx="1">
+            <a:schemeClr val="accent1"/>
+          </a:lnRef>
+          <a:fillRef idx="0">
+            <a:schemeClr val="accent1"/>
+          </a:fillRef>
+          <a:effectRef idx="0">
+            <a:schemeClr val="accent1"/>
+          </a:effectRef>
+          <a:fontRef idx="minor">
+            <a:schemeClr val="tx1"/>
+          </a:fontRef>
+        </p:style>
+      </p:cxnSp>
+      <p:cxnSp>
+        <p:nvCxnSpPr>
+          <p:cNvPr id="72" name="直接连接符 71"/>
+          <p:cNvCxnSpPr/>
+          <p:nvPr/>
+        </p:nvCxnSpPr>
+        <p:spPr>
+          <a:xfrm flipH="1" flipV="1">
+            <a:off x="5849139" y="5948249"/>
+            <a:ext cx="269999" cy="1775"/>
+          </a:xfrm>
+          <a:prstGeom prst="line">
+            <a:avLst/>
+          </a:prstGeom>
+          <a:ln w="28575"/>
+        </p:spPr>
+        <p:style>
+          <a:lnRef idx="1">
+            <a:schemeClr val="accent1"/>
+          </a:lnRef>
+          <a:fillRef idx="0">
+            <a:schemeClr val="accent1"/>
+          </a:fillRef>
+          <a:effectRef idx="0">
+            <a:schemeClr val="accent1"/>
+          </a:effectRef>
+          <a:fontRef idx="minor">
+            <a:schemeClr val="tx1"/>
+          </a:fontRef>
+        </p:style>
+      </p:cxnSp>
+      <p:sp>
+        <p:nvSpPr>
+          <p:cNvPr id="74" name="矩形 73"/>
+          <p:cNvSpPr/>
+          <p:nvPr/>
+        </p:nvSpPr>
+        <p:spPr>
+          <a:xfrm>
+            <a:off x="6118276" y="6473778"/>
+            <a:ext cx="900000" cy="180000"/>
+          </a:xfrm>
+          <a:prstGeom prst="rect">
+            <a:avLst/>
+          </a:prstGeom>
+          <a:ln>
+            <a:noFill/>
+          </a:ln>
+        </p:spPr>
+        <p:style>
+          <a:lnRef idx="0">
+            <a:schemeClr val="accent1"/>
+          </a:lnRef>
+          <a:fillRef idx="3">
+            <a:schemeClr val="accent1"/>
+          </a:fillRef>
+          <a:effectRef idx="3">
+            <a:schemeClr val="accent1"/>
+          </a:effectRef>
+          <a:fontRef idx="minor">
+            <a:schemeClr val="lt1"/>
+          </a:fontRef>
+        </p:style>
+        <p:txBody>
+          <a:bodyPr lIns="0" tIns="0" rIns="0" bIns="0" rtlCol="0" anchor="ctr"/>
+          <a:lstStyle/>
+          <a:p>
+            <a:pPr algn="ctr"/>
+            <a:r>
+              <a:rPr lang="en-US" altLang="zh-CN" sz="1200" dirty="0" smtClean="0">
+                <a:latin typeface="Times New Roman" panose="02020603050405020304" pitchFamily="18" charset="0"/>
+                <a:ea typeface="黑体" panose="02010609060101010101" pitchFamily="49" charset="-122"/>
+                <a:cs typeface="Times New Roman" panose="02020603050405020304" pitchFamily="18" charset="0"/>
+              </a:rPr>
+              <a:t>192.168.100.9</a:t>
+            </a:r>
+            <a:endParaRPr lang="zh-CN" altLang="en-US" sz="1200" dirty="0">
+              <a:latin typeface="Times New Roman" panose="02020603050405020304" pitchFamily="18" charset="0"/>
+              <a:ea typeface="黑体" panose="02010609060101010101" pitchFamily="49" charset="-122"/>
+              <a:cs typeface="Times New Roman" panose="02020603050405020304" pitchFamily="18" charset="0"/>
+            </a:endParaRPr>
+          </a:p>
+        </p:txBody>
+      </p:sp>
+      <p:cxnSp>
+        <p:nvCxnSpPr>
+          <p:cNvPr id="75" name="直接连接符 74"/>
+          <p:cNvCxnSpPr/>
+          <p:nvPr/>
+        </p:nvCxnSpPr>
+        <p:spPr>
+          <a:xfrm flipH="1" flipV="1">
+            <a:off x="5849139" y="6576577"/>
+            <a:ext cx="269999" cy="1775"/>
           </a:xfrm>
           <a:prstGeom prst="line">
             <a:avLst/>
